--- a/feecm/moose/tutorials/tutorial02_multiapps/doc/content/getting_started/examples_and_tutorials/tutorial02_multiapps/images/multiapps.pptx
+++ b/feecm/moose/tutorials/tutorial02_multiapps/doc/content/getting_started/examples_and_tutorials/tutorial02_multiapps/images/multiapps.pptx
@@ -108,6 +108,11 @@
       </a:defRPr>
     </a:lvl9pPr>
   </p:defaultTextStyle>
+  <p:extLst>
+    <p:ext uri="{EFAFB233-063F-42B5-8137-9DF3F51BA10A}">
+      <p15:sldGuideLst xmlns:p15="http://schemas.microsoft.com/office/powerpoint/2012/main"/>
+    </p:ext>
+  </p:extLst>
 </p:presentation>
 </file>
 
@@ -258,7 +263,7 @@
           <a:p>
             <a:fld id="{72EAF44D-8223-FC45-9B2E-81DC2B41A847}" type="datetimeFigureOut">
               <a:rPr lang="en-US" smtClean="0"/>
-              <a:t>1/13/21</a:t>
+              <a:t>9/10/23</a:t>
             </a:fld>
             <a:endParaRPr lang="en-US"/>
           </a:p>
@@ -456,7 +461,7 @@
           <a:p>
             <a:fld id="{72EAF44D-8223-FC45-9B2E-81DC2B41A847}" type="datetimeFigureOut">
               <a:rPr lang="en-US" smtClean="0"/>
-              <a:t>1/13/21</a:t>
+              <a:t>9/10/23</a:t>
             </a:fld>
             <a:endParaRPr lang="en-US"/>
           </a:p>
@@ -664,7 +669,7 @@
           <a:p>
             <a:fld id="{72EAF44D-8223-FC45-9B2E-81DC2B41A847}" type="datetimeFigureOut">
               <a:rPr lang="en-US" smtClean="0"/>
-              <a:t>1/13/21</a:t>
+              <a:t>9/10/23</a:t>
             </a:fld>
             <a:endParaRPr lang="en-US"/>
           </a:p>
@@ -862,7 +867,7 @@
           <a:p>
             <a:fld id="{72EAF44D-8223-FC45-9B2E-81DC2B41A847}" type="datetimeFigureOut">
               <a:rPr lang="en-US" smtClean="0"/>
-              <a:t>1/13/21</a:t>
+              <a:t>9/10/23</a:t>
             </a:fld>
             <a:endParaRPr lang="en-US"/>
           </a:p>
@@ -1137,7 +1142,7 @@
           <a:p>
             <a:fld id="{72EAF44D-8223-FC45-9B2E-81DC2B41A847}" type="datetimeFigureOut">
               <a:rPr lang="en-US" smtClean="0"/>
-              <a:t>1/13/21</a:t>
+              <a:t>9/10/23</a:t>
             </a:fld>
             <a:endParaRPr lang="en-US"/>
           </a:p>
@@ -1402,7 +1407,7 @@
           <a:p>
             <a:fld id="{72EAF44D-8223-FC45-9B2E-81DC2B41A847}" type="datetimeFigureOut">
               <a:rPr lang="en-US" smtClean="0"/>
-              <a:t>1/13/21</a:t>
+              <a:t>9/10/23</a:t>
             </a:fld>
             <a:endParaRPr lang="en-US"/>
           </a:p>
@@ -1814,7 +1819,7 @@
           <a:p>
             <a:fld id="{72EAF44D-8223-FC45-9B2E-81DC2B41A847}" type="datetimeFigureOut">
               <a:rPr lang="en-US" smtClean="0"/>
-              <a:t>1/13/21</a:t>
+              <a:t>9/10/23</a:t>
             </a:fld>
             <a:endParaRPr lang="en-US"/>
           </a:p>
@@ -1955,7 +1960,7 @@
           <a:p>
             <a:fld id="{72EAF44D-8223-FC45-9B2E-81DC2B41A847}" type="datetimeFigureOut">
               <a:rPr lang="en-US" smtClean="0"/>
-              <a:t>1/13/21</a:t>
+              <a:t>9/10/23</a:t>
             </a:fld>
             <a:endParaRPr lang="en-US"/>
           </a:p>
@@ -2068,7 +2073,7 @@
           <a:p>
             <a:fld id="{72EAF44D-8223-FC45-9B2E-81DC2B41A847}" type="datetimeFigureOut">
               <a:rPr lang="en-US" smtClean="0"/>
-              <a:t>1/13/21</a:t>
+              <a:t>9/10/23</a:t>
             </a:fld>
             <a:endParaRPr lang="en-US"/>
           </a:p>
@@ -2379,7 +2384,7 @@
           <a:p>
             <a:fld id="{72EAF44D-8223-FC45-9B2E-81DC2B41A847}" type="datetimeFigureOut">
               <a:rPr lang="en-US" smtClean="0"/>
-              <a:t>1/13/21</a:t>
+              <a:t>9/10/23</a:t>
             </a:fld>
             <a:endParaRPr lang="en-US"/>
           </a:p>
@@ -2667,7 +2672,7 @@
           <a:p>
             <a:fld id="{72EAF44D-8223-FC45-9B2E-81DC2B41A847}" type="datetimeFigureOut">
               <a:rPr lang="en-US" smtClean="0"/>
-              <a:t>1/13/21</a:t>
+              <a:t>9/10/23</a:t>
             </a:fld>
             <a:endParaRPr lang="en-US"/>
           </a:p>
@@ -2908,7 +2913,7 @@
           <a:p>
             <a:fld id="{72EAF44D-8223-FC45-9B2E-81DC2B41A847}" type="datetimeFigureOut">
               <a:rPr lang="en-US" smtClean="0"/>
-              <a:t>1/13/21</a:t>
+              <a:t>9/10/23</a:t>
             </a:fld>
             <a:endParaRPr lang="en-US"/>
           </a:p>
@@ -3378,7 +3383,7 @@
                   <a:schemeClr val="tx1"/>
                 </a:solidFill>
               </a:rPr>
-              <a:t>01_master.i</a:t>
+              <a:t>01_parent.i</a:t>
             </a:r>
           </a:p>
           <a:p>
@@ -3488,12 +3493,20 @@
           <a:p>
             <a:pPr algn="ctr"/>
             <a:r>
+              <a:rPr lang="en-US">
+                <a:solidFill>
+                  <a:schemeClr val="tx1"/>
+                </a:solidFill>
+              </a:rPr>
+              <a:t>01_sub.</a:t>
+            </a:r>
+            <a:r>
               <a:rPr lang="en-US" dirty="0">
                 <a:solidFill>
                   <a:schemeClr val="tx1"/>
                 </a:solidFill>
               </a:rPr>
-              <a:t>01_sub.i</a:t>
+              <a:t>i</a:t>
             </a:r>
           </a:p>
           <a:p>
@@ -3684,7 +3697,7 @@
                   <a:schemeClr val="tx1"/>
                 </a:solidFill>
               </a:rPr>
-              <a:t>Master Timesteps</a:t>
+              <a:t>Parent Timesteps</a:t>
             </a:r>
           </a:p>
           <a:p>
@@ -4091,7 +4104,7 @@
                   <a:schemeClr val="tx1"/>
                 </a:solidFill>
               </a:rPr>
-              <a:t>Sub-App Timesteps</a:t>
+              <a:t>Child-App Timesteps</a:t>
             </a:r>
           </a:p>
           <a:p>
@@ -4528,7 +4541,7 @@
                   <a:schemeClr val="tx1"/>
                 </a:solidFill>
               </a:rPr>
-              <a:t>Master App</a:t>
+              <a:t>Parent App</a:t>
             </a:r>
           </a:p>
           <a:p>
@@ -4539,7 +4552,7 @@
                   <a:schemeClr val="tx1"/>
                 </a:solidFill>
               </a:rPr>
-              <a:t>(04_master_multiple.i)</a:t>
+              <a:t>(04_parent_multiple.i)</a:t>
             </a:r>
           </a:p>
         </p:txBody>
@@ -4971,7 +4984,7 @@
             <a:pPr algn="ctr"/>
             <a:r>
               <a:rPr lang="en-US" dirty="0"/>
-              <a:t>Master</a:t>
+              <a:t>Parent</a:t>
             </a:r>
           </a:p>
         </p:txBody>
@@ -5849,7 +5862,7 @@
                   <a:schemeClr val="tx1"/>
                 </a:solidFill>
               </a:rPr>
-              <a:t>Master App</a:t>
+              <a:t>Parent App</a:t>
             </a:r>
           </a:p>
           <a:p>
@@ -5868,7 +5881,7 @@
                   <a:schemeClr val="tx1"/>
                 </a:solidFill>
               </a:rPr>
-              <a:t>(06_master_twoapps.i)</a:t>
+              <a:t>(06_parent_twoapps.i)</a:t>
             </a:r>
           </a:p>
           <a:p>
